--- a/Assets/Docs/梁奥作业二.pptx
+++ b/Assets/Docs/梁奥作业二.pptx
@@ -7617,7 +7617,7 @@
         </p:nvCxnSpPr>
         <p:spPr>
           <a:xfrm>
-            <a:off x="2779934" y="1711855"/>
+            <a:off x="2829029" y="1711855"/>
             <a:ext cx="358949" cy="0"/>
           </a:xfrm>
           <a:prstGeom prst="straightConnector1">
@@ -7656,8 +7656,8 @@
         </p:nvSpPr>
         <p:spPr>
           <a:xfrm>
-            <a:off x="3138883" y="1557966"/>
-            <a:ext cx="1082348" cy="307777"/>
+            <a:off x="3187978" y="1557966"/>
+            <a:ext cx="902811" cy="307777"/>
           </a:xfrm>
           <a:prstGeom prst="rect">
             <a:avLst/>
@@ -7672,7 +7672,7 @@
           <a:p>
             <a:r>
               <a:rPr lang="zh-CN" altLang="en-US" sz="1400" dirty="0"/>
-              <a:t>检测敌对方</a:t>
+              <a:t>镜头跟随</a:t>
             </a:r>
           </a:p>
         </p:txBody>
@@ -7691,7 +7691,7 @@
         </p:nvCxnSpPr>
         <p:spPr>
           <a:xfrm>
-            <a:off x="2779934" y="2081187"/>
+            <a:off x="2829029" y="2081187"/>
             <a:ext cx="358949" cy="0"/>
           </a:xfrm>
           <a:prstGeom prst="straightConnector1">
@@ -7730,7 +7730,7 @@
         </p:nvSpPr>
         <p:spPr>
           <a:xfrm>
-            <a:off x="3138883" y="1927298"/>
+            <a:off x="3187978" y="1927298"/>
             <a:ext cx="1082348" cy="307777"/>
           </a:xfrm>
           <a:prstGeom prst="rect">
@@ -7746,7 +7746,7 @@
           <a:p>
             <a:r>
               <a:rPr lang="zh-CN" altLang="en-US" sz="1400" dirty="0"/>
-              <a:t>敌人生成器</a:t>
+              <a:t>检测敌对方</a:t>
             </a:r>
           </a:p>
         </p:txBody>
@@ -7765,7 +7765,7 @@
         </p:nvCxnSpPr>
         <p:spPr>
           <a:xfrm>
-            <a:off x="2779934" y="2388963"/>
+            <a:off x="2829029" y="2388963"/>
             <a:ext cx="358949" cy="0"/>
           </a:xfrm>
           <a:prstGeom prst="straightConnector1">
@@ -7804,7 +7804,7 @@
         </p:nvSpPr>
         <p:spPr>
           <a:xfrm>
-            <a:off x="3138883" y="2235074"/>
+            <a:off x="3187978" y="2235074"/>
             <a:ext cx="1082348" cy="307777"/>
           </a:xfrm>
           <a:prstGeom prst="rect">
@@ -7820,7 +7820,7 @@
           <a:p>
             <a:r>
               <a:rPr lang="zh-CN" altLang="en-US" sz="1400" dirty="0"/>
-              <a:t>一些枚举值</a:t>
+              <a:t>敌人生成器</a:t>
             </a:r>
           </a:p>
         </p:txBody>
@@ -7839,7 +7839,7 @@
         </p:nvCxnSpPr>
         <p:spPr>
           <a:xfrm>
-            <a:off x="2779934" y="2679043"/>
+            <a:off x="2829029" y="2679043"/>
             <a:ext cx="358949" cy="0"/>
           </a:xfrm>
           <a:prstGeom prst="straightConnector1">
@@ -7878,8 +7878,8 @@
         </p:nvSpPr>
         <p:spPr>
           <a:xfrm>
-            <a:off x="3138883" y="2525154"/>
-            <a:ext cx="1261884" cy="307777"/>
+            <a:off x="3187978" y="2525154"/>
+            <a:ext cx="1082348" cy="307777"/>
           </a:xfrm>
           <a:prstGeom prst="rect">
             <a:avLst/>
@@ -7894,7 +7894,7 @@
           <a:p>
             <a:r>
               <a:rPr lang="zh-CN" altLang="en-US" sz="1400" dirty="0"/>
-              <a:t>游戏状态管理</a:t>
+              <a:t>一些枚举值</a:t>
             </a:r>
           </a:p>
         </p:txBody>
@@ -7913,7 +7913,7 @@
         </p:nvCxnSpPr>
         <p:spPr>
           <a:xfrm>
-            <a:off x="2779934" y="2986820"/>
+            <a:off x="2829029" y="2986820"/>
             <a:ext cx="358949" cy="0"/>
           </a:xfrm>
           <a:prstGeom prst="straightConnector1">
@@ -7952,8 +7952,8 @@
         </p:nvSpPr>
         <p:spPr>
           <a:xfrm>
-            <a:off x="3138883" y="2832931"/>
-            <a:ext cx="723275" cy="307777"/>
+            <a:off x="3187978" y="2832931"/>
+            <a:ext cx="1261884" cy="307777"/>
           </a:xfrm>
           <a:prstGeom prst="rect">
             <a:avLst/>
@@ -7968,7 +7968,7 @@
           <a:p>
             <a:r>
               <a:rPr lang="zh-CN" altLang="en-US" sz="1400" dirty="0"/>
-              <a:t>对象池</a:t>
+              <a:t>游戏状态管理</a:t>
             </a:r>
           </a:p>
         </p:txBody>
@@ -7987,7 +7987,7 @@
         </p:nvCxnSpPr>
         <p:spPr>
           <a:xfrm>
-            <a:off x="2779811" y="3333068"/>
+            <a:off x="2828906" y="3333068"/>
             <a:ext cx="358949" cy="0"/>
           </a:xfrm>
           <a:prstGeom prst="straightConnector1">
@@ -8026,8 +8026,8 @@
         </p:nvSpPr>
         <p:spPr>
           <a:xfrm>
-            <a:off x="3138760" y="3179179"/>
-            <a:ext cx="2159566" cy="307777"/>
+            <a:off x="3187855" y="3179179"/>
+            <a:ext cx="902811" cy="307777"/>
           </a:xfrm>
           <a:prstGeom prst="rect">
             <a:avLst/>
@@ -8042,7 +8042,7 @@
           <a:p>
             <a:r>
               <a:rPr lang="zh-CN" altLang="en-US" sz="1400" dirty="0"/>
-              <a:t>存储波次信息的数据结构</a:t>
+              <a:t>地图管理</a:t>
             </a:r>
           </a:p>
         </p:txBody>
@@ -8061,7 +8061,7 @@
         </p:nvCxnSpPr>
         <p:spPr>
           <a:xfrm>
-            <a:off x="2779811" y="3679316"/>
+            <a:off x="2828906" y="3679316"/>
             <a:ext cx="358949" cy="0"/>
           </a:xfrm>
           <a:prstGeom prst="straightConnector1">
@@ -8100,8 +8100,8 @@
         </p:nvSpPr>
         <p:spPr>
           <a:xfrm>
-            <a:off x="3138760" y="3525427"/>
-            <a:ext cx="902811" cy="307777"/>
+            <a:off x="3187855" y="3525427"/>
+            <a:ext cx="723275" cy="307777"/>
           </a:xfrm>
           <a:prstGeom prst="rect">
             <a:avLst/>
@@ -8116,17 +8116,17 @@
           <a:p>
             <a:r>
               <a:rPr lang="zh-CN" altLang="en-US" sz="1400" dirty="0"/>
-              <a:t>控制波次</a:t>
+              <a:t>对象池</a:t>
             </a:r>
           </a:p>
         </p:txBody>
       </p:sp>
       <p:pic>
         <p:nvPicPr>
-          <p:cNvPr id="5" name="图片 4">
-            <a:extLst>
-              <a:ext uri="{FF2B5EF4-FFF2-40B4-BE49-F238E27FC236}">
-                <a16:creationId xmlns:a16="http://schemas.microsoft.com/office/drawing/2014/main" id="{0F2CEFDF-B1D6-72F3-4C13-FC3DB09CBA9C}"/>
+          <p:cNvPr id="32" name="图片 31">
+            <a:extLst>
+              <a:ext uri="{FF2B5EF4-FFF2-40B4-BE49-F238E27FC236}">
+                <a16:creationId xmlns:a16="http://schemas.microsoft.com/office/drawing/2014/main" id="{06BCF6AE-844E-D8F0-1606-F17C4613BF9A}"/>
               </a:ext>
             </a:extLst>
           </p:cNvPr>
@@ -8143,63 +8143,55 @@
         </p:blipFill>
         <p:spPr>
           <a:xfrm>
-            <a:off x="0" y="1234516"/>
-            <a:ext cx="2800350" cy="2581275"/>
+            <a:off x="6258887" y="1312526"/>
+            <a:ext cx="4559182" cy="2006913"/>
           </a:xfrm>
           <a:prstGeom prst="rect">
             <a:avLst/>
           </a:prstGeom>
         </p:spPr>
       </p:pic>
-      <p:cxnSp>
-        <p:nvCxnSpPr>
-          <p:cNvPr id="30" name="直接箭头连接符 29">
-            <a:extLst>
-              <a:ext uri="{FF2B5EF4-FFF2-40B4-BE49-F238E27FC236}">
-                <a16:creationId xmlns:a16="http://schemas.microsoft.com/office/drawing/2014/main" id="{797C196E-6BB7-C585-92E4-F601F1027A8D}"/>
-              </a:ext>
-            </a:extLst>
-          </p:cNvPr>
-          <p:cNvCxnSpPr>
-            <a:cxnSpLocks/>
-            <a:stCxn id="23" idx="3"/>
-            <a:endCxn id="32" idx="1"/>
-          </p:cNvCxnSpPr>
-          <p:nvPr/>
-        </p:nvCxnSpPr>
-        <p:spPr>
-          <a:xfrm flipV="1">
-            <a:off x="5298326" y="2329611"/>
-            <a:ext cx="2046795" cy="1003457"/>
-          </a:xfrm>
-          <a:prstGeom prst="straightConnector1">
-            <a:avLst/>
-          </a:prstGeom>
-          <a:ln>
-            <a:tailEnd type="triangle"/>
-          </a:ln>
-        </p:spPr>
-        <p:style>
-          <a:lnRef idx="2">
-            <a:schemeClr val="accent1"/>
-          </a:lnRef>
-          <a:fillRef idx="0">
-            <a:schemeClr val="accent1"/>
-          </a:fillRef>
-          <a:effectRef idx="1">
-            <a:schemeClr val="accent1"/>
-          </a:effectRef>
-          <a:fontRef idx="minor">
-            <a:schemeClr val="tx1"/>
-          </a:fontRef>
-        </p:style>
-      </p:cxnSp>
+      <p:sp>
+        <p:nvSpPr>
+          <p:cNvPr id="40" name="文本框 39">
+            <a:extLst>
+              <a:ext uri="{FF2B5EF4-FFF2-40B4-BE49-F238E27FC236}">
+                <a16:creationId xmlns:a16="http://schemas.microsoft.com/office/drawing/2014/main" id="{DF1AD1C0-59E1-5B73-644A-0E209619C3EF}"/>
+              </a:ext>
+            </a:extLst>
+          </p:cNvPr>
+          <p:cNvSpPr txBox="1"/>
+          <p:nvPr/>
+        </p:nvSpPr>
+        <p:spPr>
+          <a:xfrm>
+            <a:off x="6044846" y="4525744"/>
+            <a:ext cx="4987263" cy="369332"/>
+          </a:xfrm>
+          <a:prstGeom prst="rect">
+            <a:avLst/>
+          </a:prstGeom>
+          <a:noFill/>
+        </p:spPr>
+        <p:txBody>
+          <a:bodyPr wrap="none" rtlCol="0">
+            <a:spAutoFit/>
+          </a:bodyPr>
+          <a:lstStyle/>
+          <a:p>
+            <a:r>
+              <a:rPr lang="zh-CN" altLang="en-US" dirty="0"/>
+              <a:t>使用协程控制波内和波间的敌人生成间隔时间</a:t>
+            </a:r>
+          </a:p>
+        </p:txBody>
+      </p:sp>
       <p:pic>
         <p:nvPicPr>
-          <p:cNvPr id="32" name="图片 31">
-            <a:extLst>
-              <a:ext uri="{FF2B5EF4-FFF2-40B4-BE49-F238E27FC236}">
-                <a16:creationId xmlns:a16="http://schemas.microsoft.com/office/drawing/2014/main" id="{06BCF6AE-844E-D8F0-1606-F17C4613BF9A}"/>
+          <p:cNvPr id="42" name="图片 41">
+            <a:extLst>
+              <a:ext uri="{FF2B5EF4-FFF2-40B4-BE49-F238E27FC236}">
+                <a16:creationId xmlns:a16="http://schemas.microsoft.com/office/drawing/2014/main" id="{072303CC-463F-38C0-7CD9-212477A3B608}"/>
               </a:ext>
             </a:extLst>
           </p:cNvPr>
@@ -8216,8 +8208,8 @@
         </p:blipFill>
         <p:spPr>
           <a:xfrm>
-            <a:off x="7345121" y="1326154"/>
-            <a:ext cx="4559182" cy="2006913"/>
+            <a:off x="0" y="1274001"/>
+            <a:ext cx="2838450" cy="3114675"/>
           </a:xfrm>
           <a:prstGeom prst="rect">
             <a:avLst/>
@@ -8226,22 +8218,20 @@
       </p:pic>
       <p:cxnSp>
         <p:nvCxnSpPr>
-          <p:cNvPr id="39" name="直接箭头连接符 38">
-            <a:extLst>
-              <a:ext uri="{FF2B5EF4-FFF2-40B4-BE49-F238E27FC236}">
-                <a16:creationId xmlns:a16="http://schemas.microsoft.com/office/drawing/2014/main" id="{C481A08D-B44A-9676-BCA3-304B7C5E5D3D}"/>
-              </a:ext>
-            </a:extLst>
-          </p:cNvPr>
-          <p:cNvCxnSpPr>
-            <a:stCxn id="25" idx="3"/>
-          </p:cNvCxnSpPr>
+          <p:cNvPr id="43" name="直接箭头连接符 42">
+            <a:extLst>
+              <a:ext uri="{FF2B5EF4-FFF2-40B4-BE49-F238E27FC236}">
+                <a16:creationId xmlns:a16="http://schemas.microsoft.com/office/drawing/2014/main" id="{36E1B982-CF74-4F96-A19C-68D5D44433E6}"/>
+              </a:ext>
+            </a:extLst>
+          </p:cNvPr>
+          <p:cNvCxnSpPr/>
           <p:nvPr/>
         </p:nvCxnSpPr>
         <p:spPr>
           <a:xfrm>
-            <a:off x="4041571" y="3679316"/>
-            <a:ext cx="1211626" cy="475374"/>
+            <a:off x="2828906" y="3987093"/>
+            <a:ext cx="358949" cy="0"/>
           </a:xfrm>
           <a:prstGeom prst="straightConnector1">
             <a:avLst/>
@@ -8267,10 +8257,10 @@
       </p:cxnSp>
       <p:sp>
         <p:nvSpPr>
-          <p:cNvPr id="40" name="文本框 39">
-            <a:extLst>
-              <a:ext uri="{FF2B5EF4-FFF2-40B4-BE49-F238E27FC236}">
-                <a16:creationId xmlns:a16="http://schemas.microsoft.com/office/drawing/2014/main" id="{DF1AD1C0-59E1-5B73-644A-0E209619C3EF}"/>
+          <p:cNvPr id="44" name="文本框 43">
+            <a:extLst>
+              <a:ext uri="{FF2B5EF4-FFF2-40B4-BE49-F238E27FC236}">
+                <a16:creationId xmlns:a16="http://schemas.microsoft.com/office/drawing/2014/main" id="{E207F076-7F58-B81E-4322-764548DEBB1E}"/>
               </a:ext>
             </a:extLst>
           </p:cNvPr>
@@ -8279,8 +8269,8 @@
         </p:nvSpPr>
         <p:spPr>
           <a:xfrm>
-            <a:off x="5253197" y="3997969"/>
-            <a:ext cx="4987263" cy="369332"/>
+            <a:off x="3187855" y="3833204"/>
+            <a:ext cx="2159566" cy="307777"/>
           </a:xfrm>
           <a:prstGeom prst="rect">
             <a:avLst/>
@@ -8294,12 +8284,169 @@
           <a:lstStyle/>
           <a:p>
             <a:r>
-              <a:rPr lang="zh-CN" altLang="en-US" dirty="0"/>
-              <a:t>使用协程控制波内和波间的敌人生成间隔时间</a:t>
-            </a:r>
-          </a:p>
-        </p:txBody>
-      </p:sp>
+              <a:rPr lang="zh-CN" altLang="en-US" sz="1400" dirty="0"/>
+              <a:t>存储波次信息的数据结构</a:t>
+            </a:r>
+          </a:p>
+        </p:txBody>
+      </p:sp>
+      <p:cxnSp>
+        <p:nvCxnSpPr>
+          <p:cNvPr id="45" name="直接箭头连接符 44">
+            <a:extLst>
+              <a:ext uri="{FF2B5EF4-FFF2-40B4-BE49-F238E27FC236}">
+                <a16:creationId xmlns:a16="http://schemas.microsoft.com/office/drawing/2014/main" id="{02931316-7A6C-1722-96BC-6AEACA5BF8DB}"/>
+              </a:ext>
+            </a:extLst>
+          </p:cNvPr>
+          <p:cNvCxnSpPr/>
+          <p:nvPr/>
+        </p:nvCxnSpPr>
+        <p:spPr>
+          <a:xfrm>
+            <a:off x="2828906" y="4317517"/>
+            <a:ext cx="358949" cy="0"/>
+          </a:xfrm>
+          <a:prstGeom prst="straightConnector1">
+            <a:avLst/>
+          </a:prstGeom>
+          <a:ln>
+            <a:tailEnd type="triangle"/>
+          </a:ln>
+        </p:spPr>
+        <p:style>
+          <a:lnRef idx="2">
+            <a:schemeClr val="accent1"/>
+          </a:lnRef>
+          <a:fillRef idx="0">
+            <a:schemeClr val="accent1"/>
+          </a:fillRef>
+          <a:effectRef idx="1">
+            <a:schemeClr val="accent1"/>
+          </a:effectRef>
+          <a:fontRef idx="minor">
+            <a:schemeClr val="tx1"/>
+          </a:fontRef>
+        </p:style>
+      </p:cxnSp>
+      <p:sp>
+        <p:nvSpPr>
+          <p:cNvPr id="46" name="文本框 45">
+            <a:extLst>
+              <a:ext uri="{FF2B5EF4-FFF2-40B4-BE49-F238E27FC236}">
+                <a16:creationId xmlns:a16="http://schemas.microsoft.com/office/drawing/2014/main" id="{DAC1AD83-900F-C124-F6C3-6F088781A2E9}"/>
+              </a:ext>
+            </a:extLst>
+          </p:cNvPr>
+          <p:cNvSpPr txBox="1"/>
+          <p:nvPr/>
+        </p:nvSpPr>
+        <p:spPr>
+          <a:xfrm>
+            <a:off x="3187855" y="4163628"/>
+            <a:ext cx="902811" cy="307777"/>
+          </a:xfrm>
+          <a:prstGeom prst="rect">
+            <a:avLst/>
+          </a:prstGeom>
+          <a:noFill/>
+        </p:spPr>
+        <p:txBody>
+          <a:bodyPr wrap="none" rtlCol="0">
+            <a:spAutoFit/>
+          </a:bodyPr>
+          <a:lstStyle/>
+          <a:p>
+            <a:r>
+              <a:rPr lang="zh-CN" altLang="en-US" sz="1400" dirty="0"/>
+              <a:t>控制波次</a:t>
+            </a:r>
+          </a:p>
+        </p:txBody>
+      </p:sp>
+      <p:cxnSp>
+        <p:nvCxnSpPr>
+          <p:cNvPr id="48" name="直接箭头连接符 47">
+            <a:extLst>
+              <a:ext uri="{FF2B5EF4-FFF2-40B4-BE49-F238E27FC236}">
+                <a16:creationId xmlns:a16="http://schemas.microsoft.com/office/drawing/2014/main" id="{F2E195E5-E8CE-CCA3-9AC8-841F9C0BCD25}"/>
+              </a:ext>
+            </a:extLst>
+          </p:cNvPr>
+          <p:cNvCxnSpPr>
+            <a:cxnSpLocks/>
+          </p:cNvCxnSpPr>
+          <p:nvPr/>
+        </p:nvCxnSpPr>
+        <p:spPr>
+          <a:xfrm flipV="1">
+            <a:off x="5253197" y="2388962"/>
+            <a:ext cx="926674" cy="1489567"/>
+          </a:xfrm>
+          <a:prstGeom prst="straightConnector1">
+            <a:avLst/>
+          </a:prstGeom>
+          <a:ln>
+            <a:tailEnd type="triangle"/>
+          </a:ln>
+        </p:spPr>
+        <p:style>
+          <a:lnRef idx="2">
+            <a:schemeClr val="accent1"/>
+          </a:lnRef>
+          <a:fillRef idx="0">
+            <a:schemeClr val="accent1"/>
+          </a:fillRef>
+          <a:effectRef idx="1">
+            <a:schemeClr val="accent1"/>
+          </a:effectRef>
+          <a:fontRef idx="minor">
+            <a:schemeClr val="tx1"/>
+          </a:fontRef>
+        </p:style>
+      </p:cxnSp>
+      <p:cxnSp>
+        <p:nvCxnSpPr>
+          <p:cNvPr id="50" name="直接箭头连接符 49">
+            <a:extLst>
+              <a:ext uri="{FF2B5EF4-FFF2-40B4-BE49-F238E27FC236}">
+                <a16:creationId xmlns:a16="http://schemas.microsoft.com/office/drawing/2014/main" id="{7A71C95B-EFB8-0BBE-2C97-69B714E148D4}"/>
+              </a:ext>
+            </a:extLst>
+          </p:cNvPr>
+          <p:cNvCxnSpPr>
+            <a:stCxn id="46" idx="3"/>
+            <a:endCxn id="40" idx="1"/>
+          </p:cNvCxnSpPr>
+          <p:nvPr/>
+        </p:nvCxnSpPr>
+        <p:spPr>
+          <a:xfrm>
+            <a:off x="4090666" y="4317517"/>
+            <a:ext cx="1954180" cy="392893"/>
+          </a:xfrm>
+          <a:prstGeom prst="straightConnector1">
+            <a:avLst/>
+          </a:prstGeom>
+          <a:ln>
+            <a:tailEnd type="triangle"/>
+          </a:ln>
+        </p:spPr>
+        <p:style>
+          <a:lnRef idx="2">
+            <a:schemeClr val="accent1"/>
+          </a:lnRef>
+          <a:fillRef idx="0">
+            <a:schemeClr val="accent1"/>
+          </a:fillRef>
+          <a:effectRef idx="1">
+            <a:schemeClr val="accent1"/>
+          </a:effectRef>
+          <a:fontRef idx="minor">
+            <a:schemeClr val="tx1"/>
+          </a:fontRef>
+        </p:style>
+      </p:cxnSp>
     </p:spTree>
     <p:extLst>
       <p:ext uri="{BB962C8B-B14F-4D97-AF65-F5344CB8AC3E}">
